--- a/佐藤司update用/2_操作方法フォーマット2019/2_操作方法フォーマット2019_送付用.pptx
+++ b/佐藤司update用/2_操作方法フォーマット2019/2_操作方法フォーマット2019_送付用.pptx
@@ -3915,7 +3915,7 @@
           <p:nvPr>
             <p:extLst>
               <p:ext uri="{D42A27DB-BD31-4B8C-83A1-F6EECF244321}">
-                <p14:modId xmlns:p14="http://schemas.microsoft.com/office/powerpoint/2010/main" val="1900351826"/>
+                <p14:modId xmlns:p14="http://schemas.microsoft.com/office/powerpoint/2010/main" val="4082842441"/>
               </p:ext>
             </p:extLst>
           </p:nvPr>
@@ -4741,35 +4741,7 @@
                           <a:latin typeface="+mj-ea"/>
                           <a:ea typeface="+mj-ea"/>
                         </a:rPr>
-                        <a:t>　　　　</a:t>
-                      </a:r>
-                      <a:r>
-                        <a:rPr kumimoji="1" lang="ja-JP" altLang="en-US" sz="1100" b="0" i="0" u="none" strike="noStrike" cap="none" normalizeH="0" baseline="0" dirty="0" smtClean="0">
-                          <a:ln>
-                            <a:noFill/>
-                          </a:ln>
-                          <a:solidFill>
-                            <a:schemeClr val="tx1"/>
-                          </a:solidFill>
-                          <a:effectLst/>
-                          <a:latin typeface="+mj-ea"/>
-                          <a:ea typeface="+mj-ea"/>
-                        </a:rPr>
-                        <a:t>□ </a:t>
-                      </a:r>
-                      <a:r>
-                        <a:rPr kumimoji="1" lang="ja-JP" altLang="en-US" sz="1100" b="0" i="0" u="none" strike="noStrike" cap="none" normalizeH="0" baseline="0" dirty="0" smtClean="0">
-                          <a:ln>
-                            <a:noFill/>
-                          </a:ln>
-                          <a:solidFill>
-                            <a:schemeClr val="tx1"/>
-                          </a:solidFill>
-                          <a:effectLst/>
-                          <a:latin typeface="+mj-ea"/>
-                          <a:ea typeface="+mj-ea"/>
-                        </a:rPr>
-                        <a:t>スマートフォン</a:t>
+                        <a:t>　　　　□ スマートフォン</a:t>
                       </a:r>
                       <a:r>
                         <a:rPr kumimoji="1" lang="en-US" altLang="ja-JP" sz="1100" b="0" i="0" u="none" strike="noStrike" cap="none" normalizeH="0" baseline="0" dirty="0" smtClean="0">
@@ -6687,6 +6659,285 @@
                 <a:sym typeface="Wingdings" panose="05000000000000000000" pitchFamily="2" charset="2"/>
               </a:rPr>
               <a:t></a:t>
+            </a:r>
+            <a:endParaRPr kumimoji="1" lang="ja-JP" altLang="en-US" dirty="0"/>
+          </a:p>
+        </p:txBody>
+      </p:sp>
+      <p:pic>
+        <p:nvPicPr>
+          <p:cNvPr id="4" name="図 3"/>
+          <p:cNvPicPr>
+            <a:picLocks noChangeAspect="1"/>
+          </p:cNvPicPr>
+          <p:nvPr/>
+        </p:nvPicPr>
+        <p:blipFill>
+          <a:blip r:embed="rId2">
+            <a:extLst>
+              <a:ext uri="{28A0092B-C50C-407E-A947-70E740481C1C}">
+                <a14:useLocalDpi xmlns:a14="http://schemas.microsoft.com/office/drawing/2010/main" val="0"/>
+              </a:ext>
+            </a:extLst>
+          </a:blip>
+          <a:stretch>
+            <a:fillRect/>
+          </a:stretch>
+        </p:blipFill>
+        <p:spPr>
+          <a:xfrm>
+            <a:off x="354806" y="3438611"/>
+            <a:ext cx="3219450" cy="5657850"/>
+          </a:xfrm>
+          <a:prstGeom prst="rect">
+            <a:avLst/>
+          </a:prstGeom>
+        </p:spPr>
+      </p:pic>
+      <p:sp>
+        <p:nvSpPr>
+          <p:cNvPr id="7" name="テキスト ボックス 6"/>
+          <p:cNvSpPr txBox="1"/>
+          <p:nvPr/>
+        </p:nvSpPr>
+        <p:spPr>
+          <a:xfrm>
+            <a:off x="3950428" y="5049049"/>
+            <a:ext cx="3124552" cy="923330"/>
+          </a:xfrm>
+          <a:prstGeom prst="rect">
+            <a:avLst/>
+          </a:prstGeom>
+          <a:noFill/>
+        </p:spPr>
+        <p:txBody>
+          <a:bodyPr wrap="square" rtlCol="0">
+            <a:spAutoFit/>
+          </a:bodyPr>
+          <a:lstStyle/>
+          <a:p>
+            <a:r>
+              <a:rPr kumimoji="1" lang="ja-JP" altLang="en-US" dirty="0" smtClean="0"/>
+              <a:t>移動方法：ドラッグ＆ドロップ</a:t>
+            </a:r>
+            <a:endParaRPr kumimoji="1" lang="en-US" altLang="ja-JP" dirty="0" smtClean="0"/>
+          </a:p>
+          <a:p>
+            <a:endParaRPr lang="en-US" altLang="ja-JP" dirty="0"/>
+          </a:p>
+          <a:p>
+            <a:r>
+              <a:rPr kumimoji="1" lang="ja-JP" altLang="en-US" dirty="0" smtClean="0"/>
+              <a:t>弾：自動発射</a:t>
+            </a:r>
+            <a:endParaRPr kumimoji="1" lang="en-US" altLang="ja-JP" dirty="0" smtClean="0"/>
+          </a:p>
+        </p:txBody>
+      </p:sp>
+      <p:cxnSp>
+        <p:nvCxnSpPr>
+          <p:cNvPr id="9" name="直線矢印コネクタ 8"/>
+          <p:cNvCxnSpPr/>
+          <p:nvPr/>
+        </p:nvCxnSpPr>
+        <p:spPr>
+          <a:xfrm flipH="1">
+            <a:off x="3574256" y="3618309"/>
+            <a:ext cx="527812" cy="0"/>
+          </a:xfrm>
+          <a:prstGeom prst="straightConnector1">
+            <a:avLst/>
+          </a:prstGeom>
+          <a:ln>
+            <a:solidFill>
+              <a:schemeClr val="tx2"/>
+            </a:solidFill>
+            <a:tailEnd type="triangle"/>
+          </a:ln>
+        </p:spPr>
+        <p:style>
+          <a:lnRef idx="1">
+            <a:schemeClr val="accent1"/>
+          </a:lnRef>
+          <a:fillRef idx="0">
+            <a:schemeClr val="accent1"/>
+          </a:fillRef>
+          <a:effectRef idx="0">
+            <a:schemeClr val="accent1"/>
+          </a:effectRef>
+          <a:fontRef idx="minor">
+            <a:schemeClr val="tx1"/>
+          </a:fontRef>
+        </p:style>
+      </p:cxnSp>
+      <p:sp>
+        <p:nvSpPr>
+          <p:cNvPr id="11" name="テキスト ボックス 10"/>
+          <p:cNvSpPr txBox="1"/>
+          <p:nvPr/>
+        </p:nvSpPr>
+        <p:spPr>
+          <a:xfrm>
+            <a:off x="4174076" y="3438611"/>
+            <a:ext cx="1784952" cy="369332"/>
+          </a:xfrm>
+          <a:prstGeom prst="rect">
+            <a:avLst/>
+          </a:prstGeom>
+          <a:noFill/>
+        </p:spPr>
+        <p:txBody>
+          <a:bodyPr wrap="square" rtlCol="0">
+            <a:spAutoFit/>
+          </a:bodyPr>
+          <a:lstStyle/>
+          <a:p>
+            <a:r>
+              <a:rPr kumimoji="1" lang="ja-JP" altLang="en-US" dirty="0" smtClean="0"/>
+              <a:t>オプションボタン</a:t>
+            </a:r>
+            <a:endParaRPr kumimoji="1" lang="ja-JP" altLang="en-US" dirty="0"/>
+          </a:p>
+        </p:txBody>
+      </p:sp>
+      <p:cxnSp>
+        <p:nvCxnSpPr>
+          <p:cNvPr id="23" name="直線コネクタ 22"/>
+          <p:cNvCxnSpPr/>
+          <p:nvPr/>
+        </p:nvCxnSpPr>
+        <p:spPr>
+          <a:xfrm flipH="1">
+            <a:off x="3726780" y="4194373"/>
+            <a:ext cx="375288" cy="0"/>
+          </a:xfrm>
+          <a:prstGeom prst="line">
+            <a:avLst/>
+          </a:prstGeom>
+          <a:ln>
+            <a:solidFill>
+              <a:schemeClr val="tx2"/>
+            </a:solidFill>
+          </a:ln>
+        </p:spPr>
+        <p:style>
+          <a:lnRef idx="1">
+            <a:schemeClr val="accent1"/>
+          </a:lnRef>
+          <a:fillRef idx="0">
+            <a:schemeClr val="accent1"/>
+          </a:fillRef>
+          <a:effectRef idx="0">
+            <a:schemeClr val="accent1"/>
+          </a:effectRef>
+          <a:fontRef idx="minor">
+            <a:schemeClr val="tx1"/>
+          </a:fontRef>
+        </p:style>
+      </p:cxnSp>
+      <p:cxnSp>
+        <p:nvCxnSpPr>
+          <p:cNvPr id="25" name="直線コネクタ 24"/>
+          <p:cNvCxnSpPr/>
+          <p:nvPr/>
+        </p:nvCxnSpPr>
+        <p:spPr>
+          <a:xfrm>
+            <a:off x="3726780" y="4194373"/>
+            <a:ext cx="0" cy="4752528"/>
+          </a:xfrm>
+          <a:prstGeom prst="line">
+            <a:avLst/>
+          </a:prstGeom>
+          <a:ln>
+            <a:solidFill>
+              <a:schemeClr val="tx2"/>
+            </a:solidFill>
+          </a:ln>
+        </p:spPr>
+        <p:style>
+          <a:lnRef idx="1">
+            <a:schemeClr val="accent1"/>
+          </a:lnRef>
+          <a:fillRef idx="0">
+            <a:schemeClr val="accent1"/>
+          </a:fillRef>
+          <a:effectRef idx="0">
+            <a:schemeClr val="accent1"/>
+          </a:effectRef>
+          <a:fontRef idx="minor">
+            <a:schemeClr val="tx1"/>
+          </a:fontRef>
+        </p:style>
+      </p:cxnSp>
+      <p:cxnSp>
+        <p:nvCxnSpPr>
+          <p:cNvPr id="28" name="直線矢印コネクタ 27"/>
+          <p:cNvCxnSpPr/>
+          <p:nvPr/>
+        </p:nvCxnSpPr>
+        <p:spPr>
+          <a:xfrm flipH="1">
+            <a:off x="3574256" y="8946901"/>
+            <a:ext cx="152524" cy="0"/>
+          </a:xfrm>
+          <a:prstGeom prst="straightConnector1">
+            <a:avLst/>
+          </a:prstGeom>
+          <a:ln>
+            <a:solidFill>
+              <a:schemeClr val="tx2"/>
+            </a:solidFill>
+            <a:tailEnd type="triangle"/>
+          </a:ln>
+        </p:spPr>
+        <p:style>
+          <a:lnRef idx="1">
+            <a:schemeClr val="accent1"/>
+          </a:lnRef>
+          <a:fillRef idx="0">
+            <a:schemeClr val="accent1"/>
+          </a:fillRef>
+          <a:effectRef idx="0">
+            <a:schemeClr val="accent1"/>
+          </a:effectRef>
+          <a:fontRef idx="minor">
+            <a:schemeClr val="tx1"/>
+          </a:fontRef>
+        </p:style>
+      </p:cxnSp>
+      <p:sp>
+        <p:nvSpPr>
+          <p:cNvPr id="31" name="テキスト ボックス 30"/>
+          <p:cNvSpPr txBox="1"/>
+          <p:nvPr/>
+        </p:nvSpPr>
+        <p:spPr>
+          <a:xfrm>
+            <a:off x="4174076" y="4044814"/>
+            <a:ext cx="2677256" cy="923330"/>
+          </a:xfrm>
+          <a:prstGeom prst="rect">
+            <a:avLst/>
+          </a:prstGeom>
+          <a:noFill/>
+        </p:spPr>
+        <p:txBody>
+          <a:bodyPr wrap="square" rtlCol="0">
+            <a:spAutoFit/>
+          </a:bodyPr>
+          <a:lstStyle/>
+          <a:p>
+            <a:r>
+              <a:rPr kumimoji="1" lang="ja-JP" altLang="en-US" dirty="0" smtClean="0"/>
+              <a:t>必殺技ボタン</a:t>
+            </a:r>
+            <a:endParaRPr kumimoji="1" lang="en-US" altLang="ja-JP" dirty="0" smtClean="0"/>
+          </a:p>
+          <a:p>
+            <a:r>
+              <a:rPr kumimoji="1" lang="ja-JP" altLang="en-US" dirty="0" smtClean="0"/>
+              <a:t>→隣のゲージが溜まり次第いつでも発動可能！</a:t>
             </a:r>
             <a:endParaRPr kumimoji="1" lang="ja-JP" altLang="en-US" dirty="0"/>
           </a:p>

--- a/佐藤司update用/2_操作方法フォーマット2019/2_操作方法フォーマット2019_送付用.pptx
+++ b/佐藤司update用/2_操作方法フォーマット2019/2_操作方法フォーマット2019_送付用.pptx
@@ -3711,6 +3711,218 @@
       </p:grpSpPr>
       <p:sp>
         <p:nvSpPr>
+          <p:cNvPr id="20" name="正方形/長方形 19"/>
+          <p:cNvSpPr/>
+          <p:nvPr/>
+        </p:nvSpPr>
+        <p:spPr>
+          <a:xfrm>
+            <a:off x="4159788" y="3461444"/>
+            <a:ext cx="1799240" cy="565151"/>
+          </a:xfrm>
+          <a:prstGeom prst="rect">
+            <a:avLst/>
+          </a:prstGeom>
+          <a:solidFill>
+            <a:srgbClr val="FFC000"/>
+          </a:solidFill>
+        </p:spPr>
+        <p:style>
+          <a:lnRef idx="2">
+            <a:schemeClr val="accent1">
+              <a:shade val="50000"/>
+            </a:schemeClr>
+          </a:lnRef>
+          <a:fillRef idx="1">
+            <a:schemeClr val="accent1"/>
+          </a:fillRef>
+          <a:effectRef idx="0">
+            <a:schemeClr val="accent1"/>
+          </a:effectRef>
+          <a:fontRef idx="minor">
+            <a:schemeClr val="lt1"/>
+          </a:fontRef>
+        </p:style>
+        <p:txBody>
+          <a:bodyPr rtlCol="0" anchor="ctr"/>
+          <a:lstStyle/>
+          <a:p>
+            <a:pPr algn="ctr"/>
+            <a:endParaRPr kumimoji="1" lang="ja-JP" altLang="en-US"/>
+          </a:p>
+        </p:txBody>
+      </p:sp>
+      <p:sp>
+        <p:nvSpPr>
+          <p:cNvPr id="19" name="正方形/長方形 18"/>
+          <p:cNvSpPr/>
+          <p:nvPr/>
+        </p:nvSpPr>
+        <p:spPr>
+          <a:xfrm>
+            <a:off x="4159662" y="4026595"/>
+            <a:ext cx="2691670" cy="957162"/>
+          </a:xfrm>
+          <a:prstGeom prst="rect">
+            <a:avLst/>
+          </a:prstGeom>
+          <a:solidFill>
+            <a:srgbClr val="FFC000"/>
+          </a:solidFill>
+        </p:spPr>
+        <p:style>
+          <a:lnRef idx="2">
+            <a:schemeClr val="accent1">
+              <a:shade val="50000"/>
+            </a:schemeClr>
+          </a:lnRef>
+          <a:fillRef idx="1">
+            <a:schemeClr val="accent1"/>
+          </a:fillRef>
+          <a:effectRef idx="0">
+            <a:schemeClr val="accent1"/>
+          </a:effectRef>
+          <a:fontRef idx="minor">
+            <a:schemeClr val="lt1"/>
+          </a:fontRef>
+        </p:style>
+        <p:txBody>
+          <a:bodyPr rtlCol="0" anchor="ctr"/>
+          <a:lstStyle/>
+          <a:p>
+            <a:pPr algn="ctr"/>
+            <a:endParaRPr kumimoji="1" lang="ja-JP" altLang="en-US"/>
+          </a:p>
+        </p:txBody>
+      </p:sp>
+      <p:sp>
+        <p:nvSpPr>
+          <p:cNvPr id="17" name="正方形/長方形 16"/>
+          <p:cNvSpPr/>
+          <p:nvPr/>
+        </p:nvSpPr>
+        <p:spPr>
+          <a:xfrm>
+            <a:off x="3838162" y="5034644"/>
+            <a:ext cx="1228390" cy="509563"/>
+          </a:xfrm>
+          <a:prstGeom prst="rect">
+            <a:avLst/>
+          </a:prstGeom>
+          <a:solidFill>
+            <a:srgbClr val="92D050"/>
+          </a:solidFill>
+        </p:spPr>
+        <p:style>
+          <a:lnRef idx="2">
+            <a:schemeClr val="accent1">
+              <a:shade val="50000"/>
+            </a:schemeClr>
+          </a:lnRef>
+          <a:fillRef idx="1">
+            <a:schemeClr val="accent1"/>
+          </a:fillRef>
+          <a:effectRef idx="0">
+            <a:schemeClr val="accent1"/>
+          </a:effectRef>
+          <a:fontRef idx="minor">
+            <a:schemeClr val="lt1"/>
+          </a:fontRef>
+        </p:style>
+        <p:txBody>
+          <a:bodyPr rtlCol="0" anchor="ctr"/>
+          <a:lstStyle/>
+          <a:p>
+            <a:pPr algn="ctr"/>
+            <a:endParaRPr kumimoji="1" lang="ja-JP" altLang="en-US"/>
+          </a:p>
+        </p:txBody>
+      </p:sp>
+      <p:sp>
+        <p:nvSpPr>
+          <p:cNvPr id="16" name="正方形/長方形 15"/>
+          <p:cNvSpPr/>
+          <p:nvPr/>
+        </p:nvSpPr>
+        <p:spPr>
+          <a:xfrm>
+            <a:off x="3838162" y="5548908"/>
+            <a:ext cx="2863462" cy="923330"/>
+          </a:xfrm>
+          <a:prstGeom prst="rect">
+            <a:avLst/>
+          </a:prstGeom>
+          <a:solidFill>
+            <a:srgbClr val="92D050"/>
+          </a:solidFill>
+        </p:spPr>
+        <p:style>
+          <a:lnRef idx="2">
+            <a:schemeClr val="accent1">
+              <a:shade val="50000"/>
+            </a:schemeClr>
+          </a:lnRef>
+          <a:fillRef idx="1">
+            <a:schemeClr val="accent1"/>
+          </a:fillRef>
+          <a:effectRef idx="0">
+            <a:schemeClr val="accent1"/>
+          </a:effectRef>
+          <a:fontRef idx="minor">
+            <a:schemeClr val="lt1"/>
+          </a:fontRef>
+        </p:style>
+        <p:txBody>
+          <a:bodyPr rtlCol="0" anchor="ctr"/>
+          <a:lstStyle/>
+          <a:p>
+            <a:pPr algn="ctr"/>
+            <a:endParaRPr kumimoji="1" lang="ja-JP" altLang="en-US"/>
+          </a:p>
+        </p:txBody>
+      </p:sp>
+      <p:sp>
+        <p:nvSpPr>
+          <p:cNvPr id="14" name="正方形/長方形 13"/>
+          <p:cNvSpPr/>
+          <p:nvPr/>
+        </p:nvSpPr>
+        <p:spPr>
+          <a:xfrm>
+            <a:off x="3847492" y="7262980"/>
+            <a:ext cx="2926307" cy="1702662"/>
+          </a:xfrm>
+          <a:prstGeom prst="rect">
+            <a:avLst/>
+          </a:prstGeom>
+        </p:spPr>
+        <p:style>
+          <a:lnRef idx="2">
+            <a:schemeClr val="accent1">
+              <a:shade val="50000"/>
+            </a:schemeClr>
+          </a:lnRef>
+          <a:fillRef idx="1">
+            <a:schemeClr val="accent1"/>
+          </a:fillRef>
+          <a:effectRef idx="0">
+            <a:schemeClr val="accent1"/>
+          </a:effectRef>
+          <a:fontRef idx="minor">
+            <a:schemeClr val="lt1"/>
+          </a:fontRef>
+        </p:style>
+        <p:txBody>
+          <a:bodyPr rtlCol="0" anchor="ctr"/>
+          <a:lstStyle/>
+          <a:p>
+            <a:pPr algn="ctr"/>
+            <a:endParaRPr kumimoji="1" lang="ja-JP" altLang="en-US"/>
+          </a:p>
+        </p:txBody>
+      </p:sp>
+      <p:sp>
+        <p:nvSpPr>
           <p:cNvPr id="5" name="Rectangle 4"/>
           <p:cNvSpPr>
             <a:spLocks noChangeArrowheads="1"/>
@@ -3915,7 +4127,7 @@
           <p:nvPr>
             <p:extLst>
               <p:ext uri="{D42A27DB-BD31-4B8C-83A1-F6EECF244321}">
-                <p14:modId xmlns:p14="http://schemas.microsoft.com/office/powerpoint/2010/main" val="4082842441"/>
+                <p14:modId xmlns:p14="http://schemas.microsoft.com/office/powerpoint/2010/main" val="3498837233"/>
               </p:ext>
             </p:extLst>
           </p:nvPr>
@@ -6702,7 +6914,7 @@
         </p:nvSpPr>
         <p:spPr>
           <a:xfrm>
-            <a:off x="3950428" y="5049049"/>
+            <a:off x="3797076" y="5548908"/>
             <a:ext cx="3124552" cy="923330"/>
           </a:xfrm>
           <a:prstGeom prst="rect">
@@ -6940,6 +7152,222 @@
               <a:t>→隣のゲージが溜まり次第いつでも発動可能！</a:t>
             </a:r>
             <a:endParaRPr kumimoji="1" lang="ja-JP" altLang="en-US" dirty="0"/>
+          </a:p>
+        </p:txBody>
+      </p:sp>
+      <p:pic>
+        <p:nvPicPr>
+          <p:cNvPr id="8" name="図 7"/>
+          <p:cNvPicPr>
+            <a:picLocks noChangeAspect="1"/>
+          </p:cNvPicPr>
+          <p:nvPr/>
+        </p:nvPicPr>
+        <p:blipFill>
+          <a:blip r:embed="rId3" cstate="print">
+            <a:extLst>
+              <a:ext uri="{28A0092B-C50C-407E-A947-70E740481C1C}">
+                <a14:useLocalDpi xmlns:a14="http://schemas.microsoft.com/office/drawing/2010/main" val="0"/>
+              </a:ext>
+            </a:extLst>
+          </a:blip>
+          <a:stretch>
+            <a:fillRect/>
+          </a:stretch>
+        </p:blipFill>
+        <p:spPr>
+          <a:xfrm>
+            <a:off x="3998247" y="7335816"/>
+            <a:ext cx="500660" cy="500660"/>
+          </a:xfrm>
+          <a:prstGeom prst="rect">
+            <a:avLst/>
+          </a:prstGeom>
+        </p:spPr>
+      </p:pic>
+      <p:sp>
+        <p:nvSpPr>
+          <p:cNvPr id="10" name="テキスト ボックス 9"/>
+          <p:cNvSpPr txBox="1"/>
+          <p:nvPr/>
+        </p:nvSpPr>
+        <p:spPr>
+          <a:xfrm>
+            <a:off x="4631071" y="7262980"/>
+            <a:ext cx="2142728" cy="646331"/>
+          </a:xfrm>
+          <a:prstGeom prst="rect">
+            <a:avLst/>
+          </a:prstGeom>
+          <a:noFill/>
+        </p:spPr>
+        <p:txBody>
+          <a:bodyPr wrap="square" rtlCol="0">
+            <a:spAutoFit/>
+          </a:bodyPr>
+          <a:lstStyle/>
+          <a:p>
+            <a:r>
+              <a:rPr kumimoji="1" lang="ja-JP" altLang="en-US" dirty="0" smtClean="0"/>
+              <a:t>プレイヤーの弾幕が強化されるよ！</a:t>
+            </a:r>
+            <a:endParaRPr kumimoji="1" lang="ja-JP" altLang="en-US" dirty="0"/>
+          </a:p>
+        </p:txBody>
+      </p:sp>
+      <p:pic>
+        <p:nvPicPr>
+          <p:cNvPr id="12" name="図 11"/>
+          <p:cNvPicPr>
+            <a:picLocks noChangeAspect="1"/>
+          </p:cNvPicPr>
+          <p:nvPr/>
+        </p:nvPicPr>
+        <p:blipFill>
+          <a:blip r:embed="rId4" cstate="print">
+            <a:extLst>
+              <a:ext uri="{28A0092B-C50C-407E-A947-70E740481C1C}">
+                <a14:useLocalDpi xmlns:a14="http://schemas.microsoft.com/office/drawing/2010/main" val="0"/>
+              </a:ext>
+            </a:extLst>
+          </a:blip>
+          <a:stretch>
+            <a:fillRect/>
+          </a:stretch>
+        </p:blipFill>
+        <p:spPr>
+          <a:xfrm>
+            <a:off x="6118339" y="8208430"/>
+            <a:ext cx="583285" cy="583285"/>
+          </a:xfrm>
+          <a:prstGeom prst="rect">
+            <a:avLst/>
+          </a:prstGeom>
+        </p:spPr>
+      </p:pic>
+      <p:sp>
+        <p:nvSpPr>
+          <p:cNvPr id="13" name="テキスト ボックス 12"/>
+          <p:cNvSpPr txBox="1"/>
+          <p:nvPr/>
+        </p:nvSpPr>
+        <p:spPr>
+          <a:xfrm>
+            <a:off x="4070255" y="8228664"/>
+            <a:ext cx="1856960" cy="646331"/>
+          </a:xfrm>
+          <a:prstGeom prst="rect">
+            <a:avLst/>
+          </a:prstGeom>
+          <a:noFill/>
+        </p:spPr>
+        <p:txBody>
+          <a:bodyPr wrap="square" rtlCol="0">
+            <a:spAutoFit/>
+          </a:bodyPr>
+          <a:lstStyle/>
+          <a:p>
+            <a:r>
+              <a:rPr kumimoji="1" lang="ja-JP" altLang="en-US" dirty="0" smtClean="0"/>
+              <a:t>弾幕の発射レートが上がるよ！</a:t>
+            </a:r>
+            <a:endParaRPr kumimoji="1" lang="ja-JP" altLang="en-US" dirty="0"/>
+          </a:p>
+        </p:txBody>
+      </p:sp>
+      <p:sp>
+        <p:nvSpPr>
+          <p:cNvPr id="15" name="正方形/長方形 14"/>
+          <p:cNvSpPr/>
+          <p:nvPr/>
+        </p:nvSpPr>
+        <p:spPr>
+          <a:xfrm>
+            <a:off x="3847492" y="6642645"/>
+            <a:ext cx="1319448" cy="620335"/>
+          </a:xfrm>
+          <a:prstGeom prst="rect">
+            <a:avLst/>
+          </a:prstGeom>
+        </p:spPr>
+        <p:style>
+          <a:lnRef idx="2">
+            <a:schemeClr val="accent1">
+              <a:shade val="50000"/>
+            </a:schemeClr>
+          </a:lnRef>
+          <a:fillRef idx="1">
+            <a:schemeClr val="accent1"/>
+          </a:fillRef>
+          <a:effectRef idx="0">
+            <a:schemeClr val="accent1"/>
+          </a:effectRef>
+          <a:fontRef idx="minor">
+            <a:schemeClr val="lt1"/>
+          </a:fontRef>
+        </p:style>
+        <p:txBody>
+          <a:bodyPr rtlCol="0" anchor="ctr"/>
+          <a:lstStyle/>
+          <a:p>
+            <a:pPr algn="ctr"/>
+            <a:r>
+              <a:rPr kumimoji="1" lang="ja-JP" altLang="en-US" sz="2400" b="1" dirty="0" smtClean="0">
+                <a:solidFill>
+                  <a:srgbClr val="FFC000"/>
+                </a:solidFill>
+              </a:rPr>
+              <a:t>アイテム</a:t>
+            </a:r>
+            <a:endParaRPr kumimoji="1" lang="ja-JP" altLang="en-US" sz="2400" b="1" dirty="0">
+              <a:solidFill>
+                <a:srgbClr val="FFC000"/>
+              </a:solidFill>
+            </a:endParaRPr>
+          </a:p>
+        </p:txBody>
+      </p:sp>
+      <p:sp>
+        <p:nvSpPr>
+          <p:cNvPr id="18" name="テキスト ボックス 17"/>
+          <p:cNvSpPr txBox="1"/>
+          <p:nvPr/>
+        </p:nvSpPr>
+        <p:spPr>
+          <a:xfrm>
+            <a:off x="3871298" y="5098544"/>
+            <a:ext cx="1271835" cy="400110"/>
+          </a:xfrm>
+          <a:prstGeom prst="rect">
+            <a:avLst/>
+          </a:prstGeom>
+          <a:noFill/>
+        </p:spPr>
+        <p:txBody>
+          <a:bodyPr wrap="square" rtlCol="0">
+            <a:spAutoFit/>
+          </a:bodyPr>
+          <a:lstStyle/>
+          <a:p>
+            <a:r>
+              <a:rPr kumimoji="1" lang="ja-JP" altLang="en-US" sz="2000" b="1" dirty="0" smtClean="0">
+                <a:solidFill>
+                  <a:schemeClr val="accent6">
+                    <a:lumMod val="40000"/>
+                    <a:lumOff val="60000"/>
+                  </a:schemeClr>
+                </a:solidFill>
+              </a:rPr>
+              <a:t>操作方法</a:t>
+            </a:r>
+            <a:endParaRPr kumimoji="1" lang="ja-JP" altLang="en-US" sz="2000" b="1" dirty="0">
+              <a:solidFill>
+                <a:schemeClr val="accent6">
+                  <a:lumMod val="40000"/>
+                  <a:lumOff val="60000"/>
+                </a:schemeClr>
+              </a:solidFill>
+            </a:endParaRPr>
           </a:p>
         </p:txBody>
       </p:sp>
